--- a/Team05_midterm poster.pptx
+++ b/Team05_midterm poster.pptx
@@ -10748,7 +10748,7 @@
           <a:p>
             <a:fld id="{F22974AC-E6A1-6748-BE7E-18BB85AC39B8}" type="datetimeFigureOut">
               <a:rPr kumimoji="1" lang="ko-Kore-KR" altLang="en-US" smtClean="0"/>
-              <a:t>10/19/2021</a:t>
+              <a:t>11/04/2021</a:t>
             </a:fld>
             <a:endParaRPr kumimoji="1" lang="ko-Kore-KR" altLang="en-US"/>
           </a:p>
@@ -11242,7 +11242,7 @@
           <a:p>
             <a:fld id="{985D7F81-2563-C148-ADA4-C915574AABBD}" type="datetimeFigureOut">
               <a:rPr lang="en-US" smtClean="0"/>
-              <a:t>10/19/2021</a:t>
+              <a:t>11/4/2021</a:t>
             </a:fld>
             <a:endParaRPr lang="en-US"/>
           </a:p>
@@ -11412,7 +11412,7 @@
           <a:p>
             <a:fld id="{985D7F81-2563-C148-ADA4-C915574AABBD}" type="datetimeFigureOut">
               <a:rPr lang="en-US" smtClean="0"/>
-              <a:t>10/19/2021</a:t>
+              <a:t>11/4/2021</a:t>
             </a:fld>
             <a:endParaRPr lang="en-US"/>
           </a:p>
@@ -11592,7 +11592,7 @@
           <a:p>
             <a:fld id="{985D7F81-2563-C148-ADA4-C915574AABBD}" type="datetimeFigureOut">
               <a:rPr lang="en-US" smtClean="0"/>
-              <a:t>10/19/2021</a:t>
+              <a:t>11/4/2021</a:t>
             </a:fld>
             <a:endParaRPr lang="en-US"/>
           </a:p>
@@ -11762,7 +11762,7 @@
           <a:p>
             <a:fld id="{985D7F81-2563-C148-ADA4-C915574AABBD}" type="datetimeFigureOut">
               <a:rPr lang="en-US" smtClean="0"/>
-              <a:t>10/19/2021</a:t>
+              <a:t>11/4/2021</a:t>
             </a:fld>
             <a:endParaRPr lang="en-US"/>
           </a:p>
@@ -12006,7 +12006,7 @@
           <a:p>
             <a:fld id="{985D7F81-2563-C148-ADA4-C915574AABBD}" type="datetimeFigureOut">
               <a:rPr lang="en-US" smtClean="0"/>
-              <a:t>10/19/2021</a:t>
+              <a:t>11/4/2021</a:t>
             </a:fld>
             <a:endParaRPr lang="en-US"/>
           </a:p>
@@ -12238,7 +12238,7 @@
           <a:p>
             <a:fld id="{985D7F81-2563-C148-ADA4-C915574AABBD}" type="datetimeFigureOut">
               <a:rPr lang="en-US" smtClean="0"/>
-              <a:t>10/19/2021</a:t>
+              <a:t>11/4/2021</a:t>
             </a:fld>
             <a:endParaRPr lang="en-US"/>
           </a:p>
@@ -12605,7 +12605,7 @@
           <a:p>
             <a:fld id="{985D7F81-2563-C148-ADA4-C915574AABBD}" type="datetimeFigureOut">
               <a:rPr lang="en-US" smtClean="0"/>
-              <a:t>10/19/2021</a:t>
+              <a:t>11/4/2021</a:t>
             </a:fld>
             <a:endParaRPr lang="en-US"/>
           </a:p>
@@ -12723,7 +12723,7 @@
           <a:p>
             <a:fld id="{985D7F81-2563-C148-ADA4-C915574AABBD}" type="datetimeFigureOut">
               <a:rPr lang="en-US" smtClean="0"/>
-              <a:t>10/19/2021</a:t>
+              <a:t>11/4/2021</a:t>
             </a:fld>
             <a:endParaRPr lang="en-US"/>
           </a:p>
@@ -12818,7 +12818,7 @@
           <a:p>
             <a:fld id="{985D7F81-2563-C148-ADA4-C915574AABBD}" type="datetimeFigureOut">
               <a:rPr lang="en-US" smtClean="0"/>
-              <a:t>10/19/2021</a:t>
+              <a:t>11/4/2021</a:t>
             </a:fld>
             <a:endParaRPr lang="en-US"/>
           </a:p>
@@ -13095,7 +13095,7 @@
           <a:p>
             <a:fld id="{985D7F81-2563-C148-ADA4-C915574AABBD}" type="datetimeFigureOut">
               <a:rPr lang="en-US" smtClean="0"/>
-              <a:t>10/19/2021</a:t>
+              <a:t>11/4/2021</a:t>
             </a:fld>
             <a:endParaRPr lang="en-US"/>
           </a:p>
@@ -13352,7 +13352,7 @@
           <a:p>
             <a:fld id="{985D7F81-2563-C148-ADA4-C915574AABBD}" type="datetimeFigureOut">
               <a:rPr lang="en-US" smtClean="0"/>
-              <a:t>10/19/2021</a:t>
+              <a:t>11/4/2021</a:t>
             </a:fld>
             <a:endParaRPr lang="en-US"/>
           </a:p>
@@ -13565,7 +13565,7 @@
           <a:p>
             <a:fld id="{985D7F81-2563-C148-ADA4-C915574AABBD}" type="datetimeFigureOut">
               <a:rPr lang="en-US" smtClean="0"/>
-              <a:t>10/19/2021</a:t>
+              <a:t>11/4/2021</a:t>
             </a:fld>
             <a:endParaRPr lang="en-US"/>
           </a:p>
